--- a/operation/冠德石油+/自动支付用户转换提案1.pptx
+++ b/operation/冠德石油+/自动支付用户转换提案1.pptx
@@ -106,6 +106,11 @@
       </a:defRPr>
     </a:lvl9pPr>
   </p:defaultTextStyle>
+  <p:extLst>
+    <p:ext uri="{EFAFB233-063F-42B5-8137-9DF3F51BA10A}">
+      <p15:sldGuideLst xmlns:p15="http://schemas.microsoft.com/office/powerpoint/2012/main"/>
+    </p:ext>
+  </p:extLst>
 </p:presentation>
 </file>
 
@@ -1786,7 +1791,7 @@
                 <a:ea typeface="微软雅黑" panose="020B0503020204020204" pitchFamily="34" charset="-122"/>
                 <a:cs typeface="+mn-cs"/>
               </a:rPr>
-              <a:t>、闪付用户首次设置自动支付后的角标提示</a:t>
+              <a:t>、用户首次设置自动支付后的角标提示</a:t>
             </a:r>
           </a:p>
         </p:txBody>
